--- a/Gentle Haloes_PPT.pptx
+++ b/Gentle Haloes_PPT.pptx
@@ -12,7 +12,7 @@
     <p:sldId id="260" r:id="rId6"/>
     <p:sldId id="261" r:id="rId7"/>
     <p:sldId id="262" r:id="rId8"/>
-    <p:sldId id="265" r:id="rId9"/>
+    <p:sldId id="266" r:id="rId9"/>
     <p:sldId id="263" r:id="rId10"/>
     <p:sldId id="264" r:id="rId11"/>
   </p:sldIdLst>
@@ -113,6 +113,11 @@
       </a:defRPr>
     </a:lvl9pPr>
   </p:defaultTextStyle>
+  <p:extLst>
+    <p:ext uri="{EFAFB233-063F-42B5-8137-9DF3F51BA10A}">
+      <p15:sldGuideLst xmlns:p15="http://schemas.microsoft.com/office/powerpoint/2012/main"/>
+    </p:ext>
+  </p:extLst>
 </p:presentation>
 </file>
 
@@ -305,7 +310,7 @@
             <a:fld id="{B61BEF0D-F0BB-DE4B-95CE-6DB70DBA9567}" type="datetimeFigureOut">
               <a:rPr lang="en-US" dirty="0"/>
               <a:pPr/>
-              <a:t>10/25/2023</a:t>
+              <a:t>4/4/2024</a:t>
             </a:fld>
             <a:endParaRPr lang="en-US" dirty="0"/>
           </a:p>
@@ -640,7 +645,7 @@
             <a:fld id="{B61BEF0D-F0BB-DE4B-95CE-6DB70DBA9567}" type="datetimeFigureOut">
               <a:rPr lang="en-US" dirty="0"/>
               <a:pPr/>
-              <a:t>10/25/2023</a:t>
+              <a:t>4/4/2024</a:t>
             </a:fld>
             <a:endParaRPr lang="en-US" dirty="0"/>
           </a:p>
@@ -1038,7 +1043,7 @@
             <a:fld id="{B61BEF0D-F0BB-DE4B-95CE-6DB70DBA9567}" type="datetimeFigureOut">
               <a:rPr lang="en-US" dirty="0"/>
               <a:pPr/>
-              <a:t>10/25/2023</a:t>
+              <a:t>4/4/2024</a:t>
             </a:fld>
             <a:endParaRPr lang="en-US" dirty="0"/>
           </a:p>
@@ -1371,7 +1376,7 @@
             <a:fld id="{B61BEF0D-F0BB-DE4B-95CE-6DB70DBA9567}" type="datetimeFigureOut">
               <a:rPr lang="en-US" dirty="0"/>
               <a:pPr/>
-              <a:t>10/25/2023</a:t>
+              <a:t>4/4/2024</a:t>
             </a:fld>
             <a:endParaRPr lang="en-US" dirty="0"/>
           </a:p>
@@ -1688,7 +1693,7 @@
             <a:fld id="{B61BEF0D-F0BB-DE4B-95CE-6DB70DBA9567}" type="datetimeFigureOut">
               <a:rPr lang="en-US" dirty="0"/>
               <a:pPr/>
-              <a:t>10/25/2023</a:t>
+              <a:t>4/4/2024</a:t>
             </a:fld>
             <a:endParaRPr lang="en-US" dirty="0"/>
           </a:p>
@@ -2081,7 +2086,7 @@
             <a:fld id="{B61BEF0D-F0BB-DE4B-95CE-6DB70DBA9567}" type="datetimeFigureOut">
               <a:rPr lang="en-US" dirty="0"/>
               <a:pPr/>
-              <a:t>10/25/2023</a:t>
+              <a:t>4/4/2024</a:t>
             </a:fld>
             <a:endParaRPr lang="en-US" dirty="0"/>
           </a:p>
@@ -2335,7 +2340,7 @@
             <a:fld id="{B61BEF0D-F0BB-DE4B-95CE-6DB70DBA9567}" type="datetimeFigureOut">
               <a:rPr lang="en-US" dirty="0"/>
               <a:pPr/>
-              <a:t>10/25/2023</a:t>
+              <a:t>4/4/2024</a:t>
             </a:fld>
             <a:endParaRPr lang="en-US" dirty="0"/>
           </a:p>
@@ -2594,7 +2599,7 @@
             <a:fld id="{B61BEF0D-F0BB-DE4B-95CE-6DB70DBA9567}" type="datetimeFigureOut">
               <a:rPr lang="en-US" dirty="0"/>
               <a:pPr/>
-              <a:t>10/25/2023</a:t>
+              <a:t>4/4/2024</a:t>
             </a:fld>
             <a:endParaRPr lang="en-US" dirty="0"/>
           </a:p>
@@ -2853,7 +2858,7 @@
             <a:fld id="{B61BEF0D-F0BB-DE4B-95CE-6DB70DBA9567}" type="datetimeFigureOut">
               <a:rPr lang="en-US" dirty="0"/>
               <a:pPr/>
-              <a:t>10/25/2023</a:t>
+              <a:t>4/4/2024</a:t>
             </a:fld>
             <a:endParaRPr lang="en-US" dirty="0"/>
           </a:p>
@@ -3179,7 +3184,7 @@
             <a:fld id="{B61BEF0D-F0BB-DE4B-95CE-6DB70DBA9567}" type="datetimeFigureOut">
               <a:rPr lang="en-US" dirty="0"/>
               <a:pPr/>
-              <a:t>10/25/2023</a:t>
+              <a:t>4/4/2024</a:t>
             </a:fld>
             <a:endParaRPr lang="en-US" dirty="0"/>
           </a:p>
@@ -3499,7 +3504,7 @@
             <a:fld id="{B61BEF0D-F0BB-DE4B-95CE-6DB70DBA9567}" type="datetimeFigureOut">
               <a:rPr lang="en-US" dirty="0"/>
               <a:pPr/>
-              <a:t>10/25/2023</a:t>
+              <a:t>4/4/2024</a:t>
             </a:fld>
             <a:endParaRPr lang="en-US" dirty="0"/>
           </a:p>
@@ -3953,7 +3958,7 @@
             <a:fld id="{B61BEF0D-F0BB-DE4B-95CE-6DB70DBA9567}" type="datetimeFigureOut">
               <a:rPr lang="en-US" dirty="0"/>
               <a:pPr/>
-              <a:t>10/25/2023</a:t>
+              <a:t>4/4/2024</a:t>
             </a:fld>
             <a:endParaRPr lang="en-US" dirty="0"/>
           </a:p>
@@ -4155,7 +4160,7 @@
             <a:fld id="{B61BEF0D-F0BB-DE4B-95CE-6DB70DBA9567}" type="datetimeFigureOut">
               <a:rPr lang="en-US" dirty="0"/>
               <a:pPr/>
-              <a:t>10/25/2023</a:t>
+              <a:t>4/4/2024</a:t>
             </a:fld>
             <a:endParaRPr lang="en-US" dirty="0"/>
           </a:p>
@@ -4329,7 +4334,7 @@
             <a:fld id="{B61BEF0D-F0BB-DE4B-95CE-6DB70DBA9567}" type="datetimeFigureOut">
               <a:rPr lang="en-US" dirty="0"/>
               <a:pPr/>
-              <a:t>10/25/2023</a:t>
+              <a:t>4/4/2024</a:t>
             </a:fld>
             <a:endParaRPr lang="en-US" dirty="0"/>
           </a:p>
@@ -4659,7 +4664,7 @@
             <a:fld id="{B61BEF0D-F0BB-DE4B-95CE-6DB70DBA9567}" type="datetimeFigureOut">
               <a:rPr lang="en-US" dirty="0"/>
               <a:pPr/>
-              <a:t>10/25/2023</a:t>
+              <a:t>4/4/2024</a:t>
             </a:fld>
             <a:endParaRPr lang="en-US" dirty="0"/>
           </a:p>
@@ -5001,7 +5006,7 @@
             <a:fld id="{B61BEF0D-F0BB-DE4B-95CE-6DB70DBA9567}" type="datetimeFigureOut">
               <a:rPr lang="en-US" dirty="0"/>
               <a:pPr/>
-              <a:t>10/25/2023</a:t>
+              <a:t>4/4/2024</a:t>
             </a:fld>
             <a:endParaRPr lang="en-US" dirty="0"/>
           </a:p>
@@ -7115,7 +7120,7 @@
             <a:fld id="{B61BEF0D-F0BB-DE4B-95CE-6DB70DBA9567}" type="datetimeFigureOut">
               <a:rPr lang="en-US" dirty="0"/>
               <a:pPr/>
-              <a:t>10/25/2023</a:t>
+              <a:t>4/4/2024</a:t>
             </a:fld>
             <a:endParaRPr lang="en-US" dirty="0"/>
           </a:p>
@@ -8581,37 +8586,6 @@
               <a:t>	• Appointment scheduling: Add, edit, or cancel appointments based on user requests     	   or provider availability. </a:t>
             </a:r>
           </a:p>
-          <a:p>
-            <a:pPr marL="0" indent="0">
-              <a:buNone/>
-            </a:pPr>
-            <a:r>
-              <a:rPr lang="en-US" dirty="0">
-                <a:solidFill>
-                  <a:schemeClr val="tx1"/>
-                </a:solidFill>
-              </a:rPr>
-              <a:t>7. Service Management: </a:t>
-            </a:r>
-          </a:p>
-          <a:p>
-            <a:pPr marL="0" indent="0">
-              <a:buNone/>
-            </a:pPr>
-            <a:r>
-              <a:rPr lang="en-US" dirty="0">
-                <a:solidFill>
-                  <a:schemeClr val="tx1"/>
-                </a:solidFill>
-              </a:rPr>
-              <a:t>	• Add, edit, or remove services and modify service descriptions. </a:t>
-            </a:r>
-            <a:endParaRPr lang="en-IN" dirty="0">
-              <a:solidFill>
-                <a:schemeClr val="tx1"/>
-              </a:solidFill>
-            </a:endParaRPr>
-          </a:p>
         </p:txBody>
       </p:sp>
     </p:spTree>
@@ -8953,12 +8927,20 @@
               <a:buNone/>
             </a:pPr>
             <a:r>
+              <a:rPr lang="en-US" b="1" u="sng" dirty="0" err="1">
+                <a:solidFill>
+                  <a:schemeClr val="tx1"/>
+                </a:solidFill>
+              </a:rPr>
+              <a:t>Ashaworker</a:t>
+            </a:r>
+            <a:r>
               <a:rPr lang="en-US" b="1" u="sng" dirty="0">
                 <a:solidFill>
                   <a:schemeClr val="tx1"/>
                 </a:solidFill>
               </a:rPr>
-              <a:t>Volunteer Module</a:t>
+              <a:t> Module</a:t>
             </a:r>
           </a:p>
           <a:p>
@@ -8971,7 +8953,7 @@
                   <a:schemeClr val="tx1"/>
                 </a:solidFill>
               </a:rPr>
-              <a:t>1. Volunteer Registration:</a:t>
+              <a:t>1. Asha worker Registration:</a:t>
             </a:r>
           </a:p>
           <a:p>
@@ -9168,7 +9150,7 @@
         </p:nvSpPr>
         <p:spPr>
           <a:xfrm>
-            <a:off x="2060294" y="394448"/>
+            <a:off x="2060294" y="376518"/>
             <a:ext cx="9826905" cy="6266328"/>
           </a:xfrm>
         </p:spPr>
@@ -9226,7 +9208,7 @@
                   <a:schemeClr val="tx1"/>
                 </a:solidFill>
               </a:rPr>
-              <a:t>Health Care Assistant Module.</a:t>
+              <a:t>Nurse Module.</a:t>
             </a:r>
           </a:p>
           <a:p>
@@ -9239,7 +9221,7 @@
                   <a:schemeClr val="tx1"/>
                 </a:solidFill>
               </a:rPr>
-              <a:t>1. Health Care Assistant Registration:</a:t>
+              <a:t>1. Nurse Registration:</a:t>
             </a:r>
           </a:p>
           <a:p>
@@ -9265,33 +9247,7 @@
                   <a:schemeClr val="tx1"/>
                 </a:solidFill>
               </a:rPr>
-              <a:t>2. Health Care Assistant Profiles:</a:t>
-            </a:r>
-          </a:p>
-          <a:p>
-            <a:pPr marL="0" indent="0">
-              <a:buNone/>
-            </a:pPr>
-            <a:r>
-              <a:rPr lang="en-US" dirty="0">
-                <a:solidFill>
-                  <a:schemeClr val="tx1"/>
-                </a:solidFill>
-              </a:rPr>
-              <a:t>	• The module provides a profile page for each health care assistant. Health care 	     	   assistant can access and update their profile information, including personal  		   details, and availability. </a:t>
-            </a:r>
-          </a:p>
-          <a:p>
-            <a:pPr marL="0" indent="0">
-              <a:buNone/>
-            </a:pPr>
-            <a:r>
-              <a:rPr lang="en-US" dirty="0">
-                <a:solidFill>
-                  <a:schemeClr val="tx1"/>
-                </a:solidFill>
-              </a:rPr>
-              <a:t>3. View Patients Details: </a:t>
+              <a:t>2. View Patients Details: </a:t>
             </a:r>
           </a:p>
           <a:p>
@@ -9330,8 +9286,39 @@
                   <a:schemeClr val="tx1"/>
                 </a:solidFill>
               </a:rPr>
-              <a:t>4. View Appointments for the hospital visit.</a:t>
-            </a:r>
+              <a:t>3. View Appointments for the hospital visit.</a:t>
+            </a:r>
+          </a:p>
+          <a:p>
+            <a:pPr marL="0" indent="0">
+              <a:buNone/>
+            </a:pPr>
+            <a:r>
+              <a:rPr lang="en-US" dirty="0">
+                <a:solidFill>
+                  <a:schemeClr val="tx1"/>
+                </a:solidFill>
+              </a:rPr>
+              <a:t>4. Apply Leave</a:t>
+            </a:r>
+          </a:p>
+          <a:p>
+            <a:pPr marL="0" indent="0">
+              <a:buNone/>
+            </a:pPr>
+            <a:r>
+              <a:rPr lang="en-US" dirty="0">
+                <a:solidFill>
+                  <a:schemeClr val="tx1"/>
+                </a:solidFill>
+              </a:rPr>
+              <a:t>5. Add Prescriptions</a:t>
+            </a:r>
+          </a:p>
+          <a:p>
+            <a:pPr marL="0" indent="0">
+              <a:buNone/>
+            </a:pPr>
             <a:endParaRPr lang="en-IN" dirty="0">
               <a:solidFill>
                 <a:schemeClr val="tx1"/>
@@ -9372,10 +9359,10 @@
       </p:grpSpPr>
       <p:sp>
         <p:nvSpPr>
-          <p:cNvPr id="2" name="Title 1">
+          <p:cNvPr id="3" name="Content Placeholder 2">
             <a:extLst>
               <a:ext uri="{FF2B5EF4-FFF2-40B4-BE49-F238E27FC236}">
-                <a16:creationId xmlns:a16="http://schemas.microsoft.com/office/drawing/2014/main" id="{77211B42-DA89-444C-B5D3-AD0FAC05E46C}"/>
+                <a16:creationId xmlns:a16="http://schemas.microsoft.com/office/drawing/2014/main" id="{82F5AA78-2A76-426D-B665-F37AD49641C8}"/>
               </a:ext>
             </a:extLst>
           </p:cNvPr>
@@ -9383,85 +9370,198 @@
             <a:spLocks noGrp="1"/>
           </p:cNvSpPr>
           <p:nvPr>
-            <p:ph type="title"/>
+            <p:ph idx="1"/>
           </p:nvPr>
         </p:nvSpPr>
         <p:spPr>
           <a:xfrm>
-            <a:off x="2718432" y="1570887"/>
-            <a:ext cx="5116722" cy="630949"/>
+            <a:off x="1916858" y="1380564"/>
+            <a:ext cx="9755188" cy="4437530"/>
           </a:xfrm>
         </p:spPr>
         <p:txBody>
-          <a:bodyPr>
-            <a:normAutofit fontScale="90000"/>
-          </a:bodyPr>
+          <a:bodyPr/>
           <a:lstStyle/>
           <a:p>
-            <a:r>
-              <a:rPr lang="en-US" dirty="0"/>
-              <a:t>Technologies  Used</a:t>
-            </a:r>
-            <a:endParaRPr lang="en-IN" dirty="0"/>
-          </a:p>
-        </p:txBody>
-      </p:sp>
-      <p:sp>
-        <p:nvSpPr>
-          <p:cNvPr id="3" name="Content Placeholder 2">
-            <a:extLst>
-              <a:ext uri="{FF2B5EF4-FFF2-40B4-BE49-F238E27FC236}">
-                <a16:creationId xmlns:a16="http://schemas.microsoft.com/office/drawing/2014/main" id="{13176A6A-01F5-41FD-9DF7-503FAA8B4ECD}"/>
-              </a:ext>
-            </a:extLst>
-          </p:cNvPr>
-          <p:cNvSpPr>
-            <a:spLocks noGrp="1"/>
-          </p:cNvSpPr>
-          <p:nvPr>
-            <p:ph idx="1"/>
-          </p:nvPr>
-        </p:nvSpPr>
-        <p:spPr>
-          <a:xfrm>
-            <a:off x="3145024" y="2438401"/>
-            <a:ext cx="4591518" cy="1416423"/>
-          </a:xfrm>
-        </p:spPr>
-        <p:txBody>
-          <a:bodyPr>
-            <a:normAutofit/>
-          </a:bodyPr>
-          <a:lstStyle/>
-          <a:p>
-            <a:r>
-              <a:rPr lang="en-US" sz="2400" dirty="0">
+            <a:pPr marL="0" indent="0">
+              <a:buNone/>
+            </a:pPr>
+            <a:r>
+              <a:rPr lang="en-US" sz="2000" b="1" u="sng" dirty="0">
                 <a:solidFill>
                   <a:schemeClr val="tx1"/>
                 </a:solidFill>
+              </a:rPr>
+              <a:t>Panchayat Member</a:t>
+            </a:r>
+          </a:p>
+          <a:p>
+            <a:pPr marR="226695" lvl="0" algn="just">
+              <a:lnSpc>
+                <a:spcPct val="150000"/>
+              </a:lnSpc>
+              <a:spcBef>
+                <a:spcPts val="10"/>
+              </a:spcBef>
+              <a:buFont typeface="Symbol" panose="05050102010706020507" pitchFamily="18" charset="2"/>
+              <a:buChar char=""/>
+            </a:pPr>
+            <a:r>
+              <a:rPr lang="en-IN" b="1" dirty="0">
+                <a:solidFill>
+                  <a:schemeClr val="tx1"/>
+                </a:solidFill>
+                <a:latin typeface="Times New Roman" panose="02020603050405020304" pitchFamily="18" charset="0"/>
+                <a:ea typeface="Times New Roman" panose="02020603050405020304" pitchFamily="18" charset="0"/>
+              </a:rPr>
+              <a:t>Member Registration: </a:t>
+            </a:r>
+            <a:endParaRPr lang="en-IN" dirty="0">
+              <a:solidFill>
+                <a:schemeClr val="tx1"/>
+              </a:solidFill>
+              <a:latin typeface="Times New Roman" panose="02020603050405020304" pitchFamily="18" charset="0"/>
+              <a:ea typeface="Times New Roman" panose="02020603050405020304" pitchFamily="18" charset="0"/>
+            </a:endParaRPr>
+          </a:p>
+          <a:p>
+            <a:pPr marR="226695" lvl="0" algn="just">
+              <a:lnSpc>
+                <a:spcPct val="150000"/>
+              </a:lnSpc>
+              <a:spcBef>
+                <a:spcPts val="10"/>
+              </a:spcBef>
+              <a:buFont typeface="Symbol" panose="05050102010706020507" pitchFamily="18" charset="2"/>
+              <a:buChar char=""/>
+            </a:pPr>
+            <a:r>
+              <a:rPr lang="en-IN" b="1" dirty="0">
+                <a:solidFill>
+                  <a:schemeClr val="tx1"/>
+                </a:solidFill>
+                <a:latin typeface="Times New Roman" panose="02020603050405020304" pitchFamily="18" charset="0"/>
+                <a:ea typeface="Times New Roman" panose="02020603050405020304" pitchFamily="18" charset="0"/>
+              </a:rPr>
+              <a:t>View Patients Details: </a:t>
+            </a:r>
+            <a:r>
+              <a:rPr lang="en-IN" dirty="0">
+                <a:solidFill>
+                  <a:schemeClr val="tx1"/>
+                </a:solidFill>
+                <a:latin typeface="Times New Roman" panose="02020603050405020304" pitchFamily="18" charset="0"/>
+                <a:ea typeface="Times New Roman" panose="02020603050405020304" pitchFamily="18" charset="0"/>
+              </a:rPr>
+              <a:t>View patients’ details, Manage patient requirements.</a:t>
+            </a:r>
+          </a:p>
+          <a:p>
+            <a:pPr marR="226695" lvl="0" algn="just">
+              <a:lnSpc>
+                <a:spcPct val="150000"/>
+              </a:lnSpc>
+              <a:spcBef>
+                <a:spcPts val="10"/>
+              </a:spcBef>
+              <a:buFont typeface="Symbol" panose="05050102010706020507" pitchFamily="18" charset="2"/>
+              <a:buChar char=""/>
+            </a:pPr>
+            <a:r>
+              <a:rPr lang="en-IN" b="1" dirty="0">
+                <a:solidFill>
+                  <a:schemeClr val="tx1"/>
+                </a:solidFill>
+                <a:latin typeface="Times New Roman" panose="02020603050405020304" pitchFamily="18" charset="0"/>
+                <a:ea typeface="Times New Roman" panose="02020603050405020304" pitchFamily="18" charset="0"/>
+              </a:rPr>
+              <a:t>View Asha workers Details.</a:t>
+            </a:r>
+          </a:p>
+          <a:p>
+            <a:pPr marL="0" marR="226695" lvl="0" indent="0" algn="just">
+              <a:lnSpc>
+                <a:spcPct val="150000"/>
+              </a:lnSpc>
+              <a:spcBef>
+                <a:spcPts val="10"/>
+              </a:spcBef>
+              <a:buNone/>
+            </a:pPr>
+            <a:r>
+              <a:rPr lang="en-IN" sz="2400" b="1" u="sng" dirty="0">
+                <a:solidFill>
+                  <a:schemeClr val="tx1"/>
+                </a:solidFill>
+                <a:latin typeface="Times New Roman" panose="02020603050405020304" pitchFamily="18" charset="0"/>
+                <a:ea typeface="Times New Roman" panose="02020603050405020304" pitchFamily="18" charset="0"/>
+              </a:rPr>
+              <a:t>Technologies Used</a:t>
+            </a:r>
+          </a:p>
+          <a:p>
+            <a:pPr>
+              <a:buFont typeface="Arial" panose="020B0604020202020204" pitchFamily="34" charset="0"/>
+              <a:buChar char="•"/>
+            </a:pPr>
+            <a:r>
+              <a:rPr lang="en-US" sz="2000" dirty="0">
+                <a:solidFill>
+                  <a:schemeClr val="tx1"/>
+                </a:solidFill>
+                <a:latin typeface="Times New Roman" panose="02020603050405020304" pitchFamily="18" charset="0"/>
+                <a:cs typeface="Times New Roman" panose="02020603050405020304" pitchFamily="18" charset="0"/>
               </a:rPr>
               <a:t>Google Authentication</a:t>
             </a:r>
           </a:p>
           <a:p>
-            <a:r>
-              <a:rPr lang="en-US" sz="2400" dirty="0">
+            <a:pPr>
+              <a:buFont typeface="Arial" panose="020B0604020202020204" pitchFamily="34" charset="0"/>
+              <a:buChar char="•"/>
+            </a:pPr>
+            <a:r>
+              <a:rPr lang="en-US" sz="2000" dirty="0">
                 <a:solidFill>
                   <a:schemeClr val="tx1"/>
                 </a:solidFill>
+                <a:latin typeface="Times New Roman" panose="02020603050405020304" pitchFamily="18" charset="0"/>
+                <a:cs typeface="Times New Roman" panose="02020603050405020304" pitchFamily="18" charset="0"/>
               </a:rPr>
               <a:t>Python with Django</a:t>
             </a:r>
           </a:p>
           <a:p>
-            <a:endParaRPr lang="en-IN" sz="2400" dirty="0"/>
+            <a:pPr marL="0" marR="226695" lvl="0" indent="0" algn="just">
+              <a:lnSpc>
+                <a:spcPct val="150000"/>
+              </a:lnSpc>
+              <a:spcBef>
+                <a:spcPts val="10"/>
+              </a:spcBef>
+              <a:buNone/>
+            </a:pPr>
+            <a:endParaRPr lang="en-IN" sz="2400" u="sng" dirty="0">
+              <a:solidFill>
+                <a:schemeClr val="tx1"/>
+              </a:solidFill>
+              <a:latin typeface="Times New Roman" panose="02020603050405020304" pitchFamily="18" charset="0"/>
+              <a:ea typeface="Times New Roman" panose="02020603050405020304" pitchFamily="18" charset="0"/>
+            </a:endParaRPr>
+          </a:p>
+          <a:p>
+            <a:endParaRPr lang="en-IN" dirty="0">
+              <a:solidFill>
+                <a:schemeClr val="tx1"/>
+              </a:solidFill>
+            </a:endParaRPr>
           </a:p>
         </p:txBody>
       </p:sp>
     </p:spTree>
     <p:extLst>
       <p:ext uri="{BB962C8B-B14F-4D97-AF65-F5344CB8AC3E}">
-        <p14:creationId xmlns:p14="http://schemas.microsoft.com/office/powerpoint/2010/main" val="835158893"/>
+        <p14:creationId xmlns:p14="http://schemas.microsoft.com/office/powerpoint/2010/main" val="3313811094"/>
       </p:ext>
     </p:extLst>
   </p:cSld>
